--- a/Server/files/winners.pptx
+++ b/Server/files/winners.pptx
@@ -199,7 +199,7 @@
           <a:p>
             <a:fld id="{C2FE0B79-E324-4D35-AE26-5B0B9EF69623}" type="datetimeFigureOut">
               <a:rPr lang="he-IL" smtClean="0"/>
-              <a:t>ד'/אייר/תשע"ט</a:t>
+              <a:t>ב'/שבט/תש"פ</a:t>
             </a:fld>
             <a:endParaRPr lang="he-IL"/>
           </a:p>
@@ -616,7 +616,7 @@
           <a:p>
             <a:fld id="{DAA86FC3-F93E-4E2C-B935-B085BF0D614C}" type="datetimeFigureOut">
               <a:rPr lang="he-IL" smtClean="0"/>
-              <a:t>ד'/אייר/תשע"ט</a:t>
+              <a:t>ב'/שבט/תש"פ</a:t>
             </a:fld>
             <a:endParaRPr lang="he-IL"/>
           </a:p>
@@ -816,7 +816,7 @@
           <a:p>
             <a:fld id="{DAA86FC3-F93E-4E2C-B935-B085BF0D614C}" type="datetimeFigureOut">
               <a:rPr lang="he-IL" smtClean="0"/>
-              <a:t>ד'/אייר/תשע"ט</a:t>
+              <a:t>ב'/שבט/תש"פ</a:t>
             </a:fld>
             <a:endParaRPr lang="he-IL"/>
           </a:p>
@@ -1026,7 +1026,7 @@
           <a:p>
             <a:fld id="{DAA86FC3-F93E-4E2C-B935-B085BF0D614C}" type="datetimeFigureOut">
               <a:rPr lang="he-IL" smtClean="0"/>
-              <a:t>ד'/אייר/תשע"ט</a:t>
+              <a:t>ב'/שבט/תש"פ</a:t>
             </a:fld>
             <a:endParaRPr lang="he-IL"/>
           </a:p>
@@ -1226,7 +1226,7 @@
           <a:p>
             <a:fld id="{DAA86FC3-F93E-4E2C-B935-B085BF0D614C}" type="datetimeFigureOut">
               <a:rPr lang="he-IL" smtClean="0"/>
-              <a:t>ד'/אייר/תשע"ט</a:t>
+              <a:t>ב'/שבט/תש"פ</a:t>
             </a:fld>
             <a:endParaRPr lang="he-IL"/>
           </a:p>
@@ -1502,7 +1502,7 @@
           <a:p>
             <a:fld id="{DAA86FC3-F93E-4E2C-B935-B085BF0D614C}" type="datetimeFigureOut">
               <a:rPr lang="he-IL" smtClean="0"/>
-              <a:t>ד'/אייר/תשע"ט</a:t>
+              <a:t>ב'/שבט/תש"פ</a:t>
             </a:fld>
             <a:endParaRPr lang="he-IL"/>
           </a:p>
@@ -1770,7 +1770,7 @@
           <a:p>
             <a:fld id="{DAA86FC3-F93E-4E2C-B935-B085BF0D614C}" type="datetimeFigureOut">
               <a:rPr lang="he-IL" smtClean="0"/>
-              <a:t>ד'/אייר/תשע"ט</a:t>
+              <a:t>ב'/שבט/תש"פ</a:t>
             </a:fld>
             <a:endParaRPr lang="he-IL"/>
           </a:p>
@@ -2185,7 +2185,7 @@
           <a:p>
             <a:fld id="{DAA86FC3-F93E-4E2C-B935-B085BF0D614C}" type="datetimeFigureOut">
               <a:rPr lang="he-IL" smtClean="0"/>
-              <a:t>ד'/אייר/תשע"ט</a:t>
+              <a:t>ב'/שבט/תש"פ</a:t>
             </a:fld>
             <a:endParaRPr lang="he-IL"/>
           </a:p>
@@ -2327,7 +2327,7 @@
           <a:p>
             <a:fld id="{DAA86FC3-F93E-4E2C-B935-B085BF0D614C}" type="datetimeFigureOut">
               <a:rPr lang="he-IL" smtClean="0"/>
-              <a:t>ד'/אייר/תשע"ט</a:t>
+              <a:t>ב'/שבט/תש"פ</a:t>
             </a:fld>
             <a:endParaRPr lang="he-IL"/>
           </a:p>
@@ -2440,7 +2440,7 @@
           <a:p>
             <a:fld id="{DAA86FC3-F93E-4E2C-B935-B085BF0D614C}" type="datetimeFigureOut">
               <a:rPr lang="he-IL" smtClean="0"/>
-              <a:t>ד'/אייר/תשע"ט</a:t>
+              <a:t>ב'/שבט/תש"פ</a:t>
             </a:fld>
             <a:endParaRPr lang="he-IL"/>
           </a:p>
@@ -2753,7 +2753,7 @@
           <a:p>
             <a:fld id="{DAA86FC3-F93E-4E2C-B935-B085BF0D614C}" type="datetimeFigureOut">
               <a:rPr lang="he-IL" smtClean="0"/>
-              <a:t>ד'/אייר/תשע"ט</a:t>
+              <a:t>ב'/שבט/תש"פ</a:t>
             </a:fld>
             <a:endParaRPr lang="he-IL"/>
           </a:p>
@@ -3042,7 +3042,7 @@
           <a:p>
             <a:fld id="{DAA86FC3-F93E-4E2C-B935-B085BF0D614C}" type="datetimeFigureOut">
               <a:rPr lang="he-IL" smtClean="0"/>
-              <a:t>ד'/אייר/תשע"ט</a:t>
+              <a:t>ב'/שבט/תש"פ</a:t>
             </a:fld>
             <a:endParaRPr lang="he-IL"/>
           </a:p>
@@ -3288,7 +3288,7 @@
           <a:p>
             <a:fld id="{DAA86FC3-F93E-4E2C-B935-B085BF0D614C}" type="datetimeFigureOut">
               <a:rPr lang="he-IL" smtClean="0"/>
-              <a:t>ד'/אייר/תשע"ט</a:t>
+              <a:t>ב'/שבט/תש"פ</a:t>
             </a:fld>
             <a:endParaRPr lang="he-IL"/>
           </a:p>
@@ -3767,7 +3767,7 @@
         <p:spPr>
           <a:xfrm>
             <a:off x="0" y="123825"/>
-            <a:ext cx="1423332" cy="923330"/>
+            <a:ext cx="1423332" cy="1231106"/>
           </a:xfrm>
           <a:prstGeom prst="rect">
             <a:avLst/>
@@ -3779,6 +3779,22 @@
             <a:spAutoFit/>
           </a:bodyPr>
           <a:lstStyle/>
+          <a:p>
+            <a:pPr algn="ctr"/>
+            <a:endParaRPr lang="en-US" sz="1000" dirty="0">
+              <a:solidFill>
+                <a:schemeClr val="bg1"/>
+              </a:solidFill>
+            </a:endParaRPr>
+          </a:p>
+          <a:p>
+            <a:pPr algn="ctr"/>
+            <a:endParaRPr lang="en-US" sz="1000" dirty="0">
+              <a:solidFill>
+                <a:schemeClr val="bg1"/>
+              </a:solidFill>
+            </a:endParaRPr>
+          </a:p>
           <a:p>
             <a:pPr algn="ctr"/>
             <a:r>
@@ -3888,7 +3904,7 @@
         <p:spPr>
           <a:xfrm>
             <a:off x="0" y="123825"/>
-            <a:ext cx="1423332" cy="923330"/>
+            <a:ext cx="1423332" cy="1231106"/>
           </a:xfrm>
           <a:prstGeom prst="rect">
             <a:avLst/>
@@ -3900,6 +3916,22 @@
             <a:spAutoFit/>
           </a:bodyPr>
           <a:lstStyle/>
+          <a:p>
+            <a:pPr algn="ctr"/>
+            <a:endParaRPr lang="en-US" sz="1000" dirty="0">
+              <a:solidFill>
+                <a:schemeClr val="bg1"/>
+              </a:solidFill>
+            </a:endParaRPr>
+          </a:p>
+          <a:p>
+            <a:pPr algn="ctr"/>
+            <a:endParaRPr lang="en-US" sz="1000" dirty="0">
+              <a:solidFill>
+                <a:schemeClr val="bg1"/>
+              </a:solidFill>
+            </a:endParaRPr>
+          </a:p>
           <a:p>
             <a:pPr algn="ctr"/>
             <a:r>
@@ -4009,7 +4041,7 @@
         <p:spPr>
           <a:xfrm>
             <a:off x="0" y="123825"/>
-            <a:ext cx="1423332" cy="923330"/>
+            <a:ext cx="1423332" cy="1231106"/>
           </a:xfrm>
           <a:prstGeom prst="rect">
             <a:avLst/>
@@ -4021,6 +4053,22 @@
             <a:spAutoFit/>
           </a:bodyPr>
           <a:lstStyle/>
+          <a:p>
+            <a:pPr algn="ctr"/>
+            <a:endParaRPr lang="en-US" sz="1000" dirty="0">
+              <a:solidFill>
+                <a:schemeClr val="bg1"/>
+              </a:solidFill>
+            </a:endParaRPr>
+          </a:p>
+          <a:p>
+            <a:pPr algn="ctr"/>
+            <a:endParaRPr lang="en-US" sz="1000" dirty="0">
+              <a:solidFill>
+                <a:schemeClr val="bg1"/>
+              </a:solidFill>
+            </a:endParaRPr>
+          </a:p>
           <a:p>
             <a:pPr algn="ctr"/>
             <a:r>
